--- a/Project presentation.pptx
+++ b/Project presentation.pptx
@@ -661,7 +661,97 @@
           <a:bodyPr/>
           <a:lstStyle/>
           <a:p>
-            <a:endParaRPr lang="en-US"/>
+            <a:r>
+              <a:rPr lang="it-IT" dirty="0"/>
+              <a:t>In questo lavoro abbiamo preferito Tamarin rispetto a SPIN per alcuni motivi chiave.</a:t>
+            </a:r>
+          </a:p>
+          <a:p>
+            <a:r>
+              <a:rPr lang="it-IT" dirty="0"/>
+              <a:t>Prima di tutto, </a:t>
+            </a:r>
+            <a:r>
+              <a:rPr lang="it-IT" b="1" dirty="0"/>
+              <a:t>Tamarin è progettato appositamente per la modellazione di protocolli di sicurezza</a:t>
+            </a:r>
+            <a:r>
+              <a:rPr lang="it-IT" dirty="0"/>
+              <a:t>, e in particolare per gestire </a:t>
+            </a:r>
+            <a:r>
+              <a:rPr lang="it-IT" b="1" dirty="0"/>
+              <a:t>attaccanti potenti come quello di </a:t>
+            </a:r>
+            <a:r>
+              <a:rPr lang="it-IT" b="1" dirty="0" err="1"/>
+              <a:t>Dolev-Yao</a:t>
+            </a:r>
+            <a:r>
+              <a:rPr lang="it-IT" dirty="0"/>
+              <a:t>, cioè in grado di intercettare, modificare e reinviare qualsiasi messaggio. In SPIN, per simulare un attacco simile, bisognerebbe modellare manualmente tutto il comportamento dell’attaccante, il che è complesso e poco scalabile.</a:t>
+            </a:r>
+          </a:p>
+          <a:p>
+            <a:r>
+              <a:rPr lang="it-IT" dirty="0"/>
+              <a:t>Inoltre, </a:t>
+            </a:r>
+            <a:r>
+              <a:rPr lang="it-IT" b="1" dirty="0"/>
+              <a:t>Tamarin offre un supporto nativo per la verifica di proprietà crittografiche complesse</a:t>
+            </a:r>
+            <a:r>
+              <a:rPr lang="it-IT" dirty="0"/>
+              <a:t>, come la segretezza di chiavi, l’autenticazione o la </a:t>
+            </a:r>
+            <a:r>
+              <a:rPr lang="it-IT" dirty="0" err="1"/>
+              <a:t>forward</a:t>
+            </a:r>
+            <a:r>
+              <a:rPr lang="it-IT" dirty="0"/>
+              <a:t> </a:t>
+            </a:r>
+            <a:r>
+              <a:rPr lang="it-IT" dirty="0" err="1"/>
+              <a:t>secrecy</a:t>
+            </a:r>
+            <a:r>
+              <a:rPr lang="it-IT" dirty="0"/>
+              <a:t>, usando logica temporale.</a:t>
+            </a:r>
+          </a:p>
+          <a:p>
+            <a:r>
+              <a:rPr lang="it-IT" dirty="0"/>
+              <a:t>Infine, Tamarin produce una </a:t>
+            </a:r>
+            <a:r>
+              <a:rPr lang="it-IT" b="1" dirty="0"/>
+              <a:t>validazione formale automatica</a:t>
+            </a:r>
+            <a:r>
+              <a:rPr lang="it-IT" dirty="0"/>
+              <a:t>: se una proprietà non è rispettata, ci fornisce </a:t>
+            </a:r>
+            <a:r>
+              <a:rPr lang="it-IT" b="1" dirty="0"/>
+              <a:t>una traccia d’attacco concreta</a:t>
+            </a:r>
+            <a:r>
+              <a:rPr lang="it-IT" dirty="0"/>
+              <a:t>, che possiamo analizzare passo-passo.</a:t>
+            </a:r>
+          </a:p>
+          <a:p>
+            <a:r>
+              <a:rPr lang="it-IT" dirty="0"/>
+              <a:t>Questo rende Tamarin particolarmente adatto per protocolli reali e scenari di sicurezza informatica avanzata, dove la modellazione dell’attaccante e la verifica delle proprietà richiedono strumenti specifici e precisi.</a:t>
+            </a:r>
+          </a:p>
+          <a:p>
+            <a:endParaRPr lang="en-US" dirty="0"/>
           </a:p>
         </p:txBody>
       </p:sp>
@@ -751,59 +841,163 @@
           <a:bodyPr/>
           <a:lstStyle/>
           <a:p>
-            <a:r>
-              <a:rPr lang="it-IT"/>
+            <a:endParaRPr lang="it-IT" dirty="0"/>
+          </a:p>
+          <a:p>
+            <a:r>
+              <a:rPr lang="it-IT" dirty="0"/>
+              <a:t>Un altro aspetto molto interessante di Tamarin è </a:t>
+            </a:r>
+            <a:r>
+              <a:rPr lang="it-IT" b="1" dirty="0"/>
+              <a:t>come rappresenta gli stati</a:t>
+            </a:r>
+            <a:r>
+              <a:rPr lang="it-IT" dirty="0"/>
+              <a:t> del sistema.</a:t>
+            </a:r>
+          </a:p>
+          <a:p>
+            <a:r>
+              <a:rPr lang="it-IT" dirty="0"/>
+              <a:t>Tamarin non lavora con variabili classiche come SPIN, ma con </a:t>
+            </a:r>
+            <a:r>
+              <a:rPr lang="it-IT" b="1" dirty="0" err="1"/>
+              <a:t>multiset</a:t>
+            </a:r>
+            <a:r>
+              <a:rPr lang="it-IT" b="1" dirty="0"/>
+              <a:t> di fatti logici</a:t>
+            </a:r>
+            <a:r>
+              <a:rPr lang="it-IT" dirty="0"/>
+              <a:t>, cioè insiemi non ordinati di "fatti" che descrivono la conoscenza, i messaggi inviati, le chiavi conosciute, ecc.</a:t>
+            </a:r>
+          </a:p>
+          <a:p>
+            <a:r>
+              <a:rPr lang="it-IT" dirty="0"/>
+              <a:t>Ogni regola nel modello Tamarin consuma alcuni fatti e ne produce altri, trasformando lo stato attuale in uno nuovo. Questo approccio è molto potente perché consente di modellare in modo naturale la </a:t>
+            </a:r>
+            <a:r>
+              <a:rPr lang="it-IT" b="1" dirty="0"/>
+              <a:t>dinamica di un protocollo crittografico</a:t>
+            </a:r>
+            <a:r>
+              <a:rPr lang="it-IT" dirty="0"/>
+              <a:t>, come la generazione di un </a:t>
+            </a:r>
+            <a:r>
+              <a:rPr lang="it-IT" dirty="0" err="1"/>
+              <a:t>nonce</a:t>
+            </a:r>
+            <a:r>
+              <a:rPr lang="it-IT" dirty="0"/>
+              <a:t>, la conoscenza dell’attaccante o l’evoluzione delle sessioni.</a:t>
+            </a:r>
+          </a:p>
+          <a:p>
+            <a:r>
+              <a:rPr lang="it-IT" dirty="0"/>
+              <a:t>A differenza di SPIN, che si basa su una </a:t>
+            </a:r>
+            <a:r>
+              <a:rPr lang="it-IT" b="1" dirty="0"/>
+              <a:t>semantica operazionale e su una logica temporale lineare (LTL)</a:t>
+            </a:r>
+            <a:r>
+              <a:rPr lang="it-IT" dirty="0"/>
+              <a:t> più adatta a sistemi concorrenti generici, Tamarin utilizza una </a:t>
+            </a:r>
+            <a:r>
+              <a:rPr lang="it-IT" b="1" dirty="0"/>
+              <a:t>logica temporale più adatta alla sicurezza</a:t>
+            </a:r>
+            <a:r>
+              <a:rPr lang="it-IT" dirty="0"/>
+              <a:t>, con supporto nativo a proprietà come la segretezza, l’autenticazione e la corrispondenza tra eventi.</a:t>
+            </a:r>
+          </a:p>
+          <a:p>
+            <a:r>
+              <a:rPr lang="it-IT" dirty="0"/>
+              <a:t>In sintesi, mentre SPIN si concentra sulla concorrenza e sull’</a:t>
+            </a:r>
+            <a:r>
+              <a:rPr lang="it-IT" dirty="0" err="1"/>
+              <a:t>interleaving</a:t>
+            </a:r>
+            <a:r>
+              <a:rPr lang="it-IT" dirty="0"/>
+              <a:t> tra processi, Tamarin ci permette di ragionare </a:t>
+            </a:r>
+            <a:r>
+              <a:rPr lang="it-IT" b="1" dirty="0"/>
+              <a:t>sull’evoluzione della conoscenza e sulla validità delle proprietà crittografiche</a:t>
+            </a:r>
+            <a:r>
+              <a:rPr lang="it-IT" dirty="0"/>
+              <a:t>, rendendolo lo strumento ideale per protocolli di sicurezza.</a:t>
+            </a:r>
+          </a:p>
+          <a:p>
+            <a:endParaRPr lang="it-IT" dirty="0"/>
+          </a:p>
+          <a:p>
+            <a:r>
+              <a:rPr lang="it-IT" dirty="0"/>
               <a:t>Variabili simboliche, non valori numerici I nomi come x.20 o y.10 non indicano</a:t>
             </a:r>
           </a:p>
           <a:p>
             <a:r>
-              <a:rPr lang="it-IT"/>
+              <a:rPr lang="it-IT" dirty="0"/>
               <a:t>che il valore della variabile sia 20 o 10. Il suffisso numerico (es. .20 , .10 , .15 )</a:t>
             </a:r>
           </a:p>
           <a:p>
             <a:r>
-              <a:rPr lang="it-IT"/>
+              <a:rPr lang="it-IT" dirty="0"/>
               <a:t>Serve soltanto a rendere univoco il nome della variabile all’interno della traccia di esecuzione.</a:t>
             </a:r>
           </a:p>
           <a:p>
-            <a:endParaRPr lang="it-IT"/>
-          </a:p>
-          <a:p>
-            <a:r>
-              <a:rPr lang="it-IT"/>
+            <a:endParaRPr lang="it-IT" dirty="0"/>
+          </a:p>
+          <a:p>
+            <a:r>
+              <a:rPr lang="it-IT" dirty="0"/>
               <a:t>Questo è necessario in quanto Tamarin può eseguire lo stesso protocollo molte volte in parallelo, e deve essere in grado di distinguere ogni istanza. </a:t>
             </a:r>
           </a:p>
           <a:p>
             <a:r>
-              <a:rPr lang="it-IT"/>
+              <a:rPr lang="it-IT" dirty="0"/>
               <a:t>Questa notazione è fondamentale per la tracciabilità e la verifica formale:</a:t>
             </a:r>
           </a:p>
           <a:p>
             <a:r>
-              <a:rPr lang="it-IT"/>
+              <a:rPr lang="it-IT" dirty="0"/>
               <a:t>• Serve a distinguere le istanze delle stesse regole applicate più volte.</a:t>
             </a:r>
           </a:p>
           <a:p>
             <a:r>
-              <a:rPr lang="it-IT"/>
+              <a:rPr lang="it-IT" dirty="0"/>
               <a:t>• Permette di legare ogni valore generato o usato a un preciso punto della traccia temporale.</a:t>
             </a:r>
           </a:p>
           <a:p>
             <a:r>
-              <a:rPr lang="it-IT"/>
+              <a:rPr lang="it-IT" dirty="0"/>
               <a:t>• Aiuta a ricostruire chi ha generato cosa, e se l’attaccante è riuscito a manipolare o calcolare certi segreti.</a:t>
             </a:r>
-            <a:endParaRPr lang="en-US"/>
-          </a:p>
-          <a:p>
-            <a:endParaRPr lang="en-US"/>
+            <a:endParaRPr lang="en-US" dirty="0"/>
+          </a:p>
+          <a:p>
+            <a:endParaRPr lang="en-US" dirty="0"/>
           </a:p>
         </p:txBody>
       </p:sp>
@@ -905,7 +1099,10 @@
           <a:bodyPr/>
           <a:lstStyle/>
           <a:p>
-            <a:endParaRPr lang="it-IT" dirty="0"/>
+            <a:r>
+              <a:rPr lang="it-IT" dirty="0"/>
+              <a:t>SPIN</a:t>
+            </a:r>
           </a:p>
           <a:p>
             <a:r>
@@ -922,7 +1119,35 @@
             </a:r>
             <a:r>
               <a:rPr lang="it-IT" dirty="0"/>
-              <a:t> e verifica che non ci siano controesempi nell’</a:t>
+              <a:t> (Un </a:t>
+            </a:r>
+            <a:r>
+              <a:rPr lang="it-IT" b="1" dirty="0"/>
+              <a:t>automa di </a:t>
+            </a:r>
+            <a:r>
+              <a:rPr lang="it-IT" b="1" dirty="0" err="1"/>
+              <a:t>Büchi</a:t>
+            </a:r>
+            <a:r>
+              <a:rPr lang="it-IT" dirty="0"/>
+              <a:t> è un tipo di </a:t>
+            </a:r>
+            <a:r>
+              <a:rPr lang="it-IT" b="1" dirty="0"/>
+              <a:t>automa a stati finiti</a:t>
+            </a:r>
+            <a:r>
+              <a:rPr lang="it-IT" dirty="0"/>
+              <a:t> progettato per accettare </a:t>
+            </a:r>
+            <a:r>
+              <a:rPr lang="it-IT" b="1" dirty="0"/>
+              <a:t>parole infinite e quindi senza uno stato finale</a:t>
+            </a:r>
+            <a:r>
+              <a:rPr lang="it-IT" dirty="0"/>
+              <a:t>) e verifica che non ci siano controesempi nell’</a:t>
             </a:r>
             <a:r>
               <a:rPr lang="it-IT" dirty="0" err="1"/>
@@ -934,6 +1159,9 @@
             </a:r>
           </a:p>
           <a:p>
+            <a:endParaRPr lang="it-IT" dirty="0"/>
+          </a:p>
+          <a:p>
             <a:r>
               <a:rPr lang="it-IT" dirty="0"/>
               <a:t>Se c'è una </a:t>
@@ -1012,7 +1240,25 @@
           <a:p>
             <a:r>
               <a:rPr lang="it-IT" dirty="0"/>
-              <a:t>Tamarin scrive lemmi in </a:t>
+              <a:t>TAMARIN</a:t>
+            </a:r>
+          </a:p>
+          <a:p>
+            <a:r>
+              <a:rPr lang="it-IT" dirty="0"/>
+              <a:t>Questo modo di rappresentare gli stati come </a:t>
+            </a:r>
+            <a:r>
+              <a:rPr lang="it-IT" b="1" dirty="0" err="1"/>
+              <a:t>multiset</a:t>
+            </a:r>
+            <a:r>
+              <a:rPr lang="it-IT" b="1" dirty="0"/>
+              <a:t> di fatti</a:t>
+            </a:r>
+            <a:r>
+              <a:rPr lang="it-IT" dirty="0"/>
+              <a:t> è collegato alla </a:t>
             </a:r>
             <a:r>
               <a:rPr lang="it-IT" b="1" dirty="0"/>
@@ -1020,21 +1266,52 @@
             </a:r>
             <a:r>
               <a:rPr lang="it-IT" dirty="0"/>
-              <a:t>, estesa con </a:t>
-            </a:r>
-            <a:r>
-              <a:rPr lang="it-IT" dirty="0" err="1"/>
-              <a:t>timestamp</a:t>
-            </a:r>
+              <a:t>, perché ogni fatto in Tamarin è in realtà un predicato logico, come ad esempio State(A, x) o K(k).</a:t>
+            </a:r>
+          </a:p>
+          <a:p>
             <a:r>
               <a:rPr lang="it-IT" dirty="0"/>
-              <a:t>.</a:t>
-            </a:r>
-          </a:p>
-          <a:p>
+              <a:t>Le regole sono scritte come </a:t>
+            </a:r>
+            <a:r>
+              <a:rPr lang="it-IT" b="1" dirty="0"/>
+              <a:t>implicazioni logiche</a:t>
+            </a:r>
             <a:r>
               <a:rPr lang="it-IT" dirty="0"/>
-              <a:t>Tamarin </a:t>
+              <a:t>: se certi fatti sono veri (cioè presenti nello stato), allora altri fatti diventano veri.</a:t>
+            </a:r>
+          </a:p>
+          <a:p>
+            <a:pPr marL="0" marR="0" lvl="0" indent="0" algn="l" defTabSz="914400" rtl="0" eaLnBrk="1" fontAlgn="auto" latinLnBrk="0" hangingPunct="1">
+              <a:lnSpc>
+                <a:spcPct val="100000"/>
+              </a:lnSpc>
+              <a:spcBef>
+                <a:spcPts val="0"/>
+              </a:spcBef>
+              <a:spcAft>
+                <a:spcPts val="0"/>
+              </a:spcAft>
+              <a:buClrTx/>
+              <a:buSzTx/>
+              <a:buFontTx/>
+              <a:buNone/>
+              <a:tabLst/>
+              <a:defRPr/>
+            </a:pPr>
+            <a:r>
+              <a:rPr lang="it-IT" dirty="0"/>
+              <a:t>Questo significa che il motore di verifica di Tamarin lavora su </a:t>
+            </a:r>
+            <a:r>
+              <a:rPr lang="it-IT" b="1" dirty="0"/>
+              <a:t>deduzioni logiche</a:t>
+            </a:r>
+            <a:r>
+              <a:rPr lang="it-IT" dirty="0"/>
+              <a:t>, esattamente come nella logica del primo ordine, ma tenendo conto anche della dimensione temporale: i fatti possono essere consumati, creati e ordinati nel tempo. Tamarin </a:t>
             </a:r>
             <a:r>
               <a:rPr lang="it-IT" b="1" dirty="0"/>
@@ -1044,6 +1321,31 @@
               <a:rPr lang="it-IT" dirty="0"/>
               <a:t> simbolico, che può coinvolgere infiniti stati (ma con astrazione simbolica).</a:t>
             </a:r>
+          </a:p>
+          <a:p>
+            <a:r>
+              <a:rPr lang="it-IT" dirty="0"/>
+              <a:t>Questo lo rende particolarmente adatto a modellare sistemi in cui la </a:t>
+            </a:r>
+            <a:r>
+              <a:rPr lang="it-IT" b="1" dirty="0"/>
+              <a:t>conoscenza cambia nel tempo</a:t>
+            </a:r>
+            <a:r>
+              <a:rPr lang="it-IT" dirty="0"/>
+              <a:t> e in cui è importante </a:t>
+            </a:r>
+            <a:r>
+              <a:rPr lang="it-IT" b="1" dirty="0"/>
+              <a:t>tracciare chi conosce cosa e quando</a:t>
+            </a:r>
+            <a:r>
+              <a:rPr lang="it-IT" dirty="0"/>
+              <a:t>, come nei protocolli di sicurezza.</a:t>
+            </a:r>
+          </a:p>
+          <a:p>
+            <a:endParaRPr lang="it-IT" dirty="0"/>
           </a:p>
           <a:p>
             <a:pPr marL="0" marR="0" lvl="0" indent="0" algn="l" defTabSz="914400" rtl="0" eaLnBrk="1" fontAlgn="auto" latinLnBrk="0" hangingPunct="1">
@@ -7303,7 +7605,7 @@
               <a:buNone/>
             </a:pPr>
             <a:r>
-              <a:rPr lang="en-US" sz="4400" err="1">
+              <a:rPr lang="en-US" sz="4400" dirty="0" err="1">
                 <a:solidFill>
                   <a:srgbClr val="F2E782"/>
                 </a:solidFill>
@@ -7314,7 +7616,7 @@
               <a:t>Perchè</a:t>
             </a:r>
             <a:r>
-              <a:rPr lang="en-US" sz="4400">
+              <a:rPr lang="en-US" sz="4400" dirty="0">
                 <a:solidFill>
                   <a:srgbClr val="F2E782"/>
                 </a:solidFill>
@@ -7325,7 +7627,7 @@
               <a:t> SPIN non </a:t>
             </a:r>
             <a:r>
-              <a:rPr lang="en-US" sz="4400" err="1">
+              <a:rPr lang="en-US" sz="4400" dirty="0" err="1">
                 <a:solidFill>
                   <a:srgbClr val="F2E782"/>
                 </a:solidFill>
@@ -7336,7 +7638,7 @@
               <a:t>funziona</a:t>
             </a:r>
             <a:r>
-              <a:rPr lang="en-US" sz="4400">
+              <a:rPr lang="en-US" sz="4400" dirty="0">
                 <a:solidFill>
                   <a:srgbClr val="F2E782"/>
                 </a:solidFill>
@@ -7346,7 +7648,7 @@
               </a:rPr>
               <a:t>?</a:t>
             </a:r>
-            <a:endParaRPr lang="en-US" sz="4400"/>
+            <a:endParaRPr lang="en-US" sz="4400" dirty="0"/>
           </a:p>
         </p:txBody>
       </p:sp>
@@ -31804,14 +32106,6 @@
 </file>
 
 <file path=customXml/item1.xml><?xml version="1.0" encoding="utf-8"?>
-<p:properties xmlns:p="http://schemas.microsoft.com/office/2006/metadata/properties" xmlns:xsi="http://www.w3.org/2001/XMLSchema-instance" xmlns:pc="http://schemas.microsoft.com/office/infopath/2007/PartnerControls">
-  <documentManagement>
-    <_activity xmlns="0345f525-fc6b-45af-86df-c33ebc5307e5" xsi:nil="true"/>
-  </documentManagement>
-</p:properties>
-</file>
-
-<file path=customXml/item2.xml><?xml version="1.0" encoding="utf-8"?>
 <ct:contentTypeSchema xmlns:ct="http://schemas.microsoft.com/office/2006/metadata/contentType" xmlns:ma="http://schemas.microsoft.com/office/2006/metadata/properties/metaAttributes" ct:_="" ma:_="" ma:contentTypeName="Documento" ma:contentTypeID="0x010100DFE06CB235FE5D48A79F03F1AC453425" ma:contentTypeVersion="6" ma:contentTypeDescription="Creare un nuovo documento." ma:contentTypeScope="" ma:versionID="925a860f6e0faf643497a64adadb7802">
   <xsd:schema xmlns:xsd="http://www.w3.org/2001/XMLSchema" xmlns:xs="http://www.w3.org/2001/XMLSchema" xmlns:p="http://schemas.microsoft.com/office/2006/metadata/properties" xmlns:ns3="0345f525-fc6b-45af-86df-c33ebc5307e5" targetNamespace="http://schemas.microsoft.com/office/2006/metadata/properties" ma:root="true" ma:fieldsID="0035cd2d1fc753a4fd5cebb6af21c8eb" ns3:_="">
     <xsd:import namespace="0345f525-fc6b-45af-86df-c33ebc5307e5"/>
@@ -31967,6 +32261,14 @@
 </ct:contentTypeSchema>
 </file>
 
+<file path=customXml/item2.xml><?xml version="1.0" encoding="utf-8"?>
+<p:properties xmlns:p="http://schemas.microsoft.com/office/2006/metadata/properties" xmlns:xsi="http://www.w3.org/2001/XMLSchema-instance" xmlns:pc="http://schemas.microsoft.com/office/infopath/2007/PartnerControls">
+  <documentManagement>
+    <_activity xmlns="0345f525-fc6b-45af-86df-c33ebc5307e5" xsi:nil="true"/>
+  </documentManagement>
+</p:properties>
+</file>
+
 <file path=customXml/item3.xml><?xml version="1.0" encoding="utf-8"?>
 <?mso-contentType ?>
 <FormTemplates xmlns="http://schemas.microsoft.com/sharepoint/v3/contenttype/forms">
@@ -31977,22 +32279,6 @@
 </file>
 
 <file path=customXml/itemProps1.xml><?xml version="1.0" encoding="utf-8"?>
-<ds:datastoreItem xmlns:ds="http://schemas.openxmlformats.org/officeDocument/2006/customXml" ds:itemID="{FE6DF8CC-9114-41BB-9B53-6135A4F7F049}">
-  <ds:schemaRefs>
-    <ds:schemaRef ds:uri="http://purl.org/dc/terms/"/>
-    <ds:schemaRef ds:uri="http://schemas.microsoft.com/office/2006/documentManagement/types"/>
-    <ds:schemaRef ds:uri="http://purl.org/dc/elements/1.1/"/>
-    <ds:schemaRef ds:uri="http://schemas.microsoft.com/office/2006/metadata/properties"/>
-    <ds:schemaRef ds:uri="http://purl.org/dc/dcmitype/"/>
-    <ds:schemaRef ds:uri="0345f525-fc6b-45af-86df-c33ebc5307e5"/>
-    <ds:schemaRef ds:uri="http://www.w3.org/XML/1998/namespace"/>
-    <ds:schemaRef ds:uri="http://schemas.microsoft.com/office/infopath/2007/PartnerControls"/>
-    <ds:schemaRef ds:uri="http://schemas.openxmlformats.org/package/2006/metadata/core-properties"/>
-  </ds:schemaRefs>
-</ds:datastoreItem>
-</file>
-
-<file path=customXml/itemProps2.xml><?xml version="1.0" encoding="utf-8"?>
 <ds:datastoreItem xmlns:ds="http://schemas.openxmlformats.org/officeDocument/2006/customXml" ds:itemID="{C47F30EA-3724-41B4-B5B7-75A9EDCBA42C}">
   <ds:schemaRefs>
     <ds:schemaRef ds:uri="0345f525-fc6b-45af-86df-c33ebc5307e5"/>
@@ -32010,6 +32296,22 @@
 </ds:datastoreItem>
 </file>
 
+<file path=customXml/itemProps2.xml><?xml version="1.0" encoding="utf-8"?>
+<ds:datastoreItem xmlns:ds="http://schemas.openxmlformats.org/officeDocument/2006/customXml" ds:itemID="{FE6DF8CC-9114-41BB-9B53-6135A4F7F049}">
+  <ds:schemaRefs>
+    <ds:schemaRef ds:uri="http://purl.org/dc/terms/"/>
+    <ds:schemaRef ds:uri="http://schemas.microsoft.com/office/2006/documentManagement/types"/>
+    <ds:schemaRef ds:uri="http://purl.org/dc/elements/1.1/"/>
+    <ds:schemaRef ds:uri="http://schemas.microsoft.com/office/2006/metadata/properties"/>
+    <ds:schemaRef ds:uri="http://purl.org/dc/dcmitype/"/>
+    <ds:schemaRef ds:uri="0345f525-fc6b-45af-86df-c33ebc5307e5"/>
+    <ds:schemaRef ds:uri="http://www.w3.org/XML/1998/namespace"/>
+    <ds:schemaRef ds:uri="http://schemas.microsoft.com/office/infopath/2007/PartnerControls"/>
+    <ds:schemaRef ds:uri="http://schemas.openxmlformats.org/package/2006/metadata/core-properties"/>
+  </ds:schemaRefs>
+</ds:datastoreItem>
+</file>
+
 <file path=customXml/itemProps3.xml><?xml version="1.0" encoding="utf-8"?>
 <ds:datastoreItem xmlns:ds="http://schemas.openxmlformats.org/officeDocument/2006/customXml" ds:itemID="{6A9FC0D7-BECB-49DB-82DA-C3206F522941}">
   <ds:schemaRefs>
